--- a/CCNA1/comandos-windows/net-user/Comando net user (CCNA1).pptx
+++ b/CCNA1/comandos-windows/net-user/Comando net user (CCNA1).pptx
@@ -9,6 +9,10 @@
     <p:sldId id="258" r:id="rId3"/>
     <p:sldId id="261" r:id="rId4"/>
     <p:sldId id="260" r:id="rId5"/>
+    <p:sldId id="262" r:id="rId6"/>
+    <p:sldId id="263" r:id="rId7"/>
+    <p:sldId id="264" r:id="rId8"/>
+    <p:sldId id="265" r:id="rId9"/>
   </p:sldIdLst>
   <p:sldSz cx="12192000" cy="6858000"/>
   <p:notesSz cx="6858000" cy="9144000"/>
@@ -246,7 +250,7 @@
           <a:p>
             <a:fld id="{ABEC455F-990E-4E61-815E-988AF11988EF}" type="datetimeFigureOut">
               <a:rPr lang="es-DO" smtClean="0"/>
-              <a:t>20/1/2026</a:t>
+              <a:t>22/1/2026</a:t>
             </a:fld>
             <a:endParaRPr lang="es-DO"/>
           </a:p>
@@ -416,7 +420,7 @@
           <a:p>
             <a:fld id="{ABEC455F-990E-4E61-815E-988AF11988EF}" type="datetimeFigureOut">
               <a:rPr lang="es-DO" smtClean="0"/>
-              <a:t>20/1/2026</a:t>
+              <a:t>22/1/2026</a:t>
             </a:fld>
             <a:endParaRPr lang="es-DO"/>
           </a:p>
@@ -596,7 +600,7 @@
           <a:p>
             <a:fld id="{ABEC455F-990E-4E61-815E-988AF11988EF}" type="datetimeFigureOut">
               <a:rPr lang="es-DO" smtClean="0"/>
-              <a:t>20/1/2026</a:t>
+              <a:t>22/1/2026</a:t>
             </a:fld>
             <a:endParaRPr lang="es-DO"/>
           </a:p>
@@ -766,7 +770,7 @@
           <a:p>
             <a:fld id="{ABEC455F-990E-4E61-815E-988AF11988EF}" type="datetimeFigureOut">
               <a:rPr lang="es-DO" smtClean="0"/>
-              <a:t>20/1/2026</a:t>
+              <a:t>22/1/2026</a:t>
             </a:fld>
             <a:endParaRPr lang="es-DO"/>
           </a:p>
@@ -1012,7 +1016,7 @@
           <a:p>
             <a:fld id="{ABEC455F-990E-4E61-815E-988AF11988EF}" type="datetimeFigureOut">
               <a:rPr lang="es-DO" smtClean="0"/>
-              <a:t>20/1/2026</a:t>
+              <a:t>22/1/2026</a:t>
             </a:fld>
             <a:endParaRPr lang="es-DO"/>
           </a:p>
@@ -1244,7 +1248,7 @@
           <a:p>
             <a:fld id="{ABEC455F-990E-4E61-815E-988AF11988EF}" type="datetimeFigureOut">
               <a:rPr lang="es-DO" smtClean="0"/>
-              <a:t>20/1/2026</a:t>
+              <a:t>22/1/2026</a:t>
             </a:fld>
             <a:endParaRPr lang="es-DO"/>
           </a:p>
@@ -1611,7 +1615,7 @@
           <a:p>
             <a:fld id="{ABEC455F-990E-4E61-815E-988AF11988EF}" type="datetimeFigureOut">
               <a:rPr lang="es-DO" smtClean="0"/>
-              <a:t>20/1/2026</a:t>
+              <a:t>22/1/2026</a:t>
             </a:fld>
             <a:endParaRPr lang="es-DO"/>
           </a:p>
@@ -1729,7 +1733,7 @@
           <a:p>
             <a:fld id="{ABEC455F-990E-4E61-815E-988AF11988EF}" type="datetimeFigureOut">
               <a:rPr lang="es-DO" smtClean="0"/>
-              <a:t>20/1/2026</a:t>
+              <a:t>22/1/2026</a:t>
             </a:fld>
             <a:endParaRPr lang="es-DO"/>
           </a:p>
@@ -1824,7 +1828,7 @@
           <a:p>
             <a:fld id="{ABEC455F-990E-4E61-815E-988AF11988EF}" type="datetimeFigureOut">
               <a:rPr lang="es-DO" smtClean="0"/>
-              <a:t>20/1/2026</a:t>
+              <a:t>22/1/2026</a:t>
             </a:fld>
             <a:endParaRPr lang="es-DO"/>
           </a:p>
@@ -2101,7 +2105,7 @@
           <a:p>
             <a:fld id="{ABEC455F-990E-4E61-815E-988AF11988EF}" type="datetimeFigureOut">
               <a:rPr lang="es-DO" smtClean="0"/>
-              <a:t>20/1/2026</a:t>
+              <a:t>22/1/2026</a:t>
             </a:fld>
             <a:endParaRPr lang="es-DO"/>
           </a:p>
@@ -2354,7 +2358,7 @@
           <a:p>
             <a:fld id="{ABEC455F-990E-4E61-815E-988AF11988EF}" type="datetimeFigureOut">
               <a:rPr lang="es-DO" smtClean="0"/>
-              <a:t>20/1/2026</a:t>
+              <a:t>22/1/2026</a:t>
             </a:fld>
             <a:endParaRPr lang="es-DO"/>
           </a:p>
@@ -2567,7 +2571,7 @@
           <a:p>
             <a:fld id="{ABEC455F-990E-4E61-815E-988AF11988EF}" type="datetimeFigureOut">
               <a:rPr lang="es-DO" smtClean="0"/>
-              <a:t>20/1/2026</a:t>
+              <a:t>22/1/2026</a:t>
             </a:fld>
             <a:endParaRPr lang="es-DO"/>
           </a:p>
@@ -3140,7 +3144,7 @@
           <p:cNvPr id="10" name="Marcador de contenido 9">
             <a:extLst>
               <a:ext uri="{FF2B5EF4-FFF2-40B4-BE49-F238E27FC236}">
-                <a16:creationId xmlns:a16="http://schemas.microsoft.com/office/drawing/2014/main" id="{63D71A47-7033-5665-1117-E24048E956E1}"/>
+                <a16:creationId xmlns:a16="http://schemas.microsoft.com/office/drawing/2014/main" xmlns="" id="{63D71A47-7033-5665-1117-E24048E956E1}"/>
               </a:ext>
             </a:extLst>
           </p:cNvPr>
@@ -3188,7 +3192,7 @@
         <p:cNvPr id="1" name="">
           <a:extLst>
             <a:ext uri="{FF2B5EF4-FFF2-40B4-BE49-F238E27FC236}">
-              <a16:creationId xmlns:a16="http://schemas.microsoft.com/office/drawing/2014/main" id="{4756BFD9-F4BD-0261-5932-6807B559708A}"/>
+              <a16:creationId xmlns:a16="http://schemas.microsoft.com/office/drawing/2014/main" xmlns="" id="{4756BFD9-F4BD-0261-5932-6807B559708A}"/>
             </a:ext>
           </a:extLst>
         </p:cNvPr>
@@ -3208,7 +3212,7 @@
           <p:cNvPr id="2" name="Título 1">
             <a:extLst>
               <a:ext uri="{FF2B5EF4-FFF2-40B4-BE49-F238E27FC236}">
-                <a16:creationId xmlns:a16="http://schemas.microsoft.com/office/drawing/2014/main" id="{47954189-7413-584B-39AB-3A3566725B50}"/>
+                <a16:creationId xmlns:a16="http://schemas.microsoft.com/office/drawing/2014/main" xmlns="" id="{47954189-7413-584B-39AB-3A3566725B50}"/>
               </a:ext>
             </a:extLst>
           </p:cNvPr>
@@ -3245,7 +3249,7 @@
           <p:cNvPr id="3" name="Marcador de contenido 2">
             <a:extLst>
               <a:ext uri="{FF2B5EF4-FFF2-40B4-BE49-F238E27FC236}">
-                <a16:creationId xmlns:a16="http://schemas.microsoft.com/office/drawing/2014/main" id="{22CD6599-C9F1-84C6-26DE-C82ACBF66C4F}"/>
+                <a16:creationId xmlns:a16="http://schemas.microsoft.com/office/drawing/2014/main" xmlns="" id="{22CD6599-C9F1-84C6-26DE-C82ACBF66C4F}"/>
               </a:ext>
             </a:extLst>
           </p:cNvPr>
@@ -3272,7 +3276,15 @@
             </a:pPr>
             <a:r>
               <a:rPr lang="es-ES" dirty="0"/>
-              <a:t>del usuario, cuando creo la contraseña, cuando expira, cuando se modifico, a cuales grupos pertenece el usuario.</a:t>
+              <a:t>del usuario, cuando </a:t>
+            </a:r>
+            <a:r>
+              <a:rPr lang="es-ES" dirty="0" smtClean="0"/>
+              <a:t>creó </a:t>
+            </a:r>
+            <a:r>
+              <a:rPr lang="es-ES" dirty="0"/>
+              <a:t>la contraseña, cuando expira, cuando se modifico, a cuales grupos pertenece el usuario.</a:t>
             </a:r>
             <a:endParaRPr lang="es-DO" dirty="0"/>
           </a:p>
@@ -3283,7 +3295,7 @@
           <p:cNvPr id="5" name="Marcador de contenido 4">
             <a:extLst>
               <a:ext uri="{FF2B5EF4-FFF2-40B4-BE49-F238E27FC236}">
-                <a16:creationId xmlns:a16="http://schemas.microsoft.com/office/drawing/2014/main" id="{24E4D97F-4505-36F8-7D73-BD88CC694606}"/>
+                <a16:creationId xmlns:a16="http://schemas.microsoft.com/office/drawing/2014/main" xmlns="" id="{24E4D97F-4505-36F8-7D73-BD88CC694606}"/>
               </a:ext>
             </a:extLst>
           </p:cNvPr>
@@ -3308,7 +3320,7 @@
           <p:cNvPr id="7" name="Imagen 6">
             <a:extLst>
               <a:ext uri="{FF2B5EF4-FFF2-40B4-BE49-F238E27FC236}">
-                <a16:creationId xmlns:a16="http://schemas.microsoft.com/office/drawing/2014/main" id="{833FE9B5-A657-D833-77CA-82897A7F8A64}"/>
+                <a16:creationId xmlns:a16="http://schemas.microsoft.com/office/drawing/2014/main" xmlns="" id="{833FE9B5-A657-D833-77CA-82897A7F8A64}"/>
               </a:ext>
             </a:extLst>
           </p:cNvPr>
@@ -3354,7 +3366,7 @@
         <p:cNvPr id="1" name="">
           <a:extLst>
             <a:ext uri="{FF2B5EF4-FFF2-40B4-BE49-F238E27FC236}">
-              <a16:creationId xmlns:a16="http://schemas.microsoft.com/office/drawing/2014/main" id="{E5BFA417-C7F5-06B4-AD04-3378EEB48DD8}"/>
+              <a16:creationId xmlns:a16="http://schemas.microsoft.com/office/drawing/2014/main" xmlns="" id="{E5BFA417-C7F5-06B4-AD04-3378EEB48DD8}"/>
             </a:ext>
           </a:extLst>
         </p:cNvPr>
@@ -3374,7 +3386,7 @@
           <p:cNvPr id="2" name="Título 1">
             <a:extLst>
               <a:ext uri="{FF2B5EF4-FFF2-40B4-BE49-F238E27FC236}">
-                <a16:creationId xmlns:a16="http://schemas.microsoft.com/office/drawing/2014/main" id="{99C63E66-B265-AF9F-F41A-98F40E973BC4}"/>
+                <a16:creationId xmlns:a16="http://schemas.microsoft.com/office/drawing/2014/main" xmlns="" id="{99C63E66-B265-AF9F-F41A-98F40E973BC4}"/>
               </a:ext>
             </a:extLst>
           </p:cNvPr>
@@ -3395,11 +3407,23 @@
               <a:t>Comando net </a:t>
             </a:r>
             <a:r>
-              <a:rPr lang="es-ES" dirty="0" err="1"/>
+              <a:rPr lang="es-ES" dirty="0" err="1" smtClean="0"/>
               <a:t>user</a:t>
             </a:r>
             <a:r>
               <a:rPr lang="es-ES" dirty="0"/>
+              <a:t> [usuario</a:t>
+            </a:r>
+            <a:r>
+              <a:rPr lang="es-ES" dirty="0" smtClean="0"/>
+              <a:t>] /</a:t>
+            </a:r>
+            <a:r>
+              <a:rPr lang="es-ES" dirty="0" err="1" smtClean="0"/>
+              <a:t>add</a:t>
+            </a:r>
+            <a:r>
+              <a:rPr lang="es-ES" dirty="0" smtClean="0"/>
               <a:t> </a:t>
             </a:r>
             <a:endParaRPr lang="es-DO" dirty="0"/>
@@ -3411,7 +3435,7 @@
           <p:cNvPr id="3" name="Marcador de contenido 2">
             <a:extLst>
               <a:ext uri="{FF2B5EF4-FFF2-40B4-BE49-F238E27FC236}">
-                <a16:creationId xmlns:a16="http://schemas.microsoft.com/office/drawing/2014/main" id="{EBF406D3-4B46-B9D4-FB81-53D8332B980A}"/>
+                <a16:creationId xmlns:a16="http://schemas.microsoft.com/office/drawing/2014/main" xmlns="" id="{EBF406D3-4B46-B9D4-FB81-53D8332B980A}"/>
               </a:ext>
             </a:extLst>
           </p:cNvPr>
@@ -3429,27 +3453,84 @@
           <a:p>
             <a:r>
               <a:rPr lang="es-ES" dirty="0"/>
-              <a:t>Se utiliza para ver mas datos </a:t>
-            </a:r>
-          </a:p>
-          <a:p>
-            <a:pPr marL="0" indent="0">
-              <a:buNone/>
-            </a:pPr>
-            <a:r>
-              <a:rPr lang="es-ES" dirty="0"/>
-              <a:t>del usuario, cuando creo la contraseña, cuando expira, cuando se modifico, a cuales grupos pertenece el usuario.</a:t>
+              <a:t>Se utiliza para </a:t>
+            </a:r>
+            <a:r>
+              <a:rPr lang="es-ES" dirty="0" smtClean="0"/>
+              <a:t>crear un nuevo usuario.</a:t>
             </a:r>
             <a:endParaRPr lang="es-DO" dirty="0"/>
           </a:p>
         </p:txBody>
       </p:sp>
-      <p:sp>
-        <p:nvSpPr>
-          <p:cNvPr id="5" name="Marcador de contenido 4">
+      <p:pic>
+        <p:nvPicPr>
+          <p:cNvPr id="4" name="Marcador de contenido 3"/>
+          <p:cNvPicPr>
+            <a:picLocks noGrp="1" noChangeAspect="1"/>
+          </p:cNvPicPr>
+          <p:nvPr>
+            <p:ph sz="half" idx="2"/>
+          </p:nvPr>
+        </p:nvPicPr>
+        <p:blipFill>
+          <a:blip r:embed="rId2"/>
+          <a:stretch>
+            <a:fillRect/>
+          </a:stretch>
+        </p:blipFill>
+        <p:spPr>
+          <a:xfrm>
+            <a:off x="5924006" y="1919464"/>
+            <a:ext cx="5181600" cy="2413237"/>
+          </a:xfrm>
+          <a:prstGeom prst="rect">
+            <a:avLst/>
+          </a:prstGeom>
+        </p:spPr>
+      </p:pic>
+    </p:spTree>
+    <p:extLst>
+      <p:ext uri="{BB962C8B-B14F-4D97-AF65-F5344CB8AC3E}">
+        <p14:creationId xmlns:p14="http://schemas.microsoft.com/office/powerpoint/2010/main" val="3581750327"/>
+      </p:ext>
+    </p:extLst>
+  </p:cSld>
+  <p:clrMapOvr>
+    <a:masterClrMapping/>
+  </p:clrMapOvr>
+</p:sld>
+</file>
+
+<file path=ppt/slides/slide5.xml><?xml version="1.0" encoding="utf-8"?>
+<p:sld xmlns:a="http://schemas.openxmlformats.org/drawingml/2006/main" xmlns:r="http://schemas.openxmlformats.org/officeDocument/2006/relationships" xmlns:p="http://schemas.openxmlformats.org/presentationml/2006/main">
+  <p:cSld>
+    <p:spTree>
+      <p:nvGrpSpPr>
+        <p:cNvPr id="1" name="">
+          <a:extLst>
+            <a:ext uri="{FF2B5EF4-FFF2-40B4-BE49-F238E27FC236}">
+              <a16:creationId xmlns:a16="http://schemas.microsoft.com/office/drawing/2014/main" xmlns="" id="{E5BFA417-C7F5-06B4-AD04-3378EEB48DD8}"/>
+            </a:ext>
+          </a:extLst>
+        </p:cNvPr>
+        <p:cNvGrpSpPr/>
+        <p:nvPr/>
+      </p:nvGrpSpPr>
+      <p:grpSpPr>
+        <a:xfrm>
+          <a:off x="0" y="0"/>
+          <a:ext cx="0" cy="0"/>
+          <a:chOff x="0" y="0"/>
+          <a:chExt cx="0" cy="0"/>
+        </a:xfrm>
+      </p:grpSpPr>
+      <p:sp>
+        <p:nvSpPr>
+          <p:cNvPr id="2" name="Título 1">
             <a:extLst>
               <a:ext uri="{FF2B5EF4-FFF2-40B4-BE49-F238E27FC236}">
-                <a16:creationId xmlns:a16="http://schemas.microsoft.com/office/drawing/2014/main" id="{D94D1167-D1A3-FACA-D915-5BDD4FE34111}"/>
+                <a16:creationId xmlns:a16="http://schemas.microsoft.com/office/drawing/2014/main" xmlns="" id="{99C63E66-B265-AF9F-F41A-98F40E973BC4}"/>
               </a:ext>
             </a:extLst>
           </p:cNvPr>
@@ -3457,27 +3538,229 @@
             <a:spLocks noGrp="1"/>
           </p:cNvSpPr>
           <p:nvPr>
-            <p:ph sz="half" idx="2"/>
-          </p:nvPr>
-        </p:nvSpPr>
-        <p:spPr/>
-        <p:txBody>
-          <a:bodyPr/>
-          <a:lstStyle/>
-          <a:p>
-            <a:endParaRPr lang="es-ES"/>
-          </a:p>
-        </p:txBody>
-      </p:sp>
-      <p:pic>
-        <p:nvPicPr>
-          <p:cNvPr id="7" name="Imagen 6">
+            <p:ph type="title"/>
+          </p:nvPr>
+        </p:nvSpPr>
+        <p:spPr/>
+        <p:txBody>
+          <a:bodyPr/>
+          <a:lstStyle/>
+          <a:p>
+            <a:r>
+              <a:rPr lang="es-ES" dirty="0"/>
+              <a:t>Comando net </a:t>
+            </a:r>
+            <a:r>
+              <a:rPr lang="es-ES" dirty="0" err="1" smtClean="0"/>
+              <a:t>user</a:t>
+            </a:r>
+            <a:r>
+              <a:rPr lang="es-ES" dirty="0"/>
+              <a:t> [usuario</a:t>
+            </a:r>
+            <a:r>
+              <a:rPr lang="es-ES" dirty="0" smtClean="0"/>
+              <a:t>] [contraseña]</a:t>
+            </a:r>
+            <a:endParaRPr lang="es-DO" dirty="0"/>
+          </a:p>
+        </p:txBody>
+      </p:sp>
+      <p:sp>
+        <p:nvSpPr>
+          <p:cNvPr id="3" name="Marcador de contenido 2">
             <a:extLst>
               <a:ext uri="{FF2B5EF4-FFF2-40B4-BE49-F238E27FC236}">
-                <a16:creationId xmlns:a16="http://schemas.microsoft.com/office/drawing/2014/main" id="{9F547D84-01EA-6798-E9C1-C90778640899}"/>
+                <a16:creationId xmlns:a16="http://schemas.microsoft.com/office/drawing/2014/main" xmlns="" id="{EBF406D3-4B46-B9D4-FB81-53D8332B980A}"/>
               </a:ext>
             </a:extLst>
           </p:cNvPr>
+          <p:cNvSpPr>
+            <a:spLocks noGrp="1"/>
+          </p:cNvSpPr>
+          <p:nvPr>
+            <p:ph sz="half" idx="1"/>
+          </p:nvPr>
+        </p:nvSpPr>
+        <p:spPr/>
+        <p:txBody>
+          <a:bodyPr/>
+          <a:lstStyle/>
+          <a:p>
+            <a:r>
+              <a:rPr lang="es-ES" dirty="0"/>
+              <a:t>Se utiliza para </a:t>
+            </a:r>
+            <a:r>
+              <a:rPr lang="es-ES" dirty="0" smtClean="0"/>
+              <a:t>crearle una contraseña a un usuario o cambiarla.</a:t>
+            </a:r>
+            <a:endParaRPr lang="es-DO" dirty="0"/>
+          </a:p>
+        </p:txBody>
+      </p:sp>
+      <p:pic>
+        <p:nvPicPr>
+          <p:cNvPr id="6" name="Marcador de contenido 5"/>
+          <p:cNvPicPr>
+            <a:picLocks noGrp="1" noChangeAspect="1"/>
+          </p:cNvPicPr>
+          <p:nvPr>
+            <p:ph sz="half" idx="2"/>
+          </p:nvPr>
+        </p:nvPicPr>
+        <p:blipFill>
+          <a:blip r:embed="rId2"/>
+          <a:stretch>
+            <a:fillRect/>
+          </a:stretch>
+        </p:blipFill>
+        <p:spPr>
+          <a:xfrm>
+            <a:off x="6019800" y="1825625"/>
+            <a:ext cx="5181600" cy="2917167"/>
+          </a:xfrm>
+          <a:prstGeom prst="rect">
+            <a:avLst/>
+          </a:prstGeom>
+        </p:spPr>
+      </p:pic>
+    </p:spTree>
+    <p:extLst>
+      <p:ext uri="{BB962C8B-B14F-4D97-AF65-F5344CB8AC3E}">
+        <p14:creationId xmlns:p14="http://schemas.microsoft.com/office/powerpoint/2010/main" val="1328578560"/>
+      </p:ext>
+    </p:extLst>
+  </p:cSld>
+  <p:clrMapOvr>
+    <a:masterClrMapping/>
+  </p:clrMapOvr>
+</p:sld>
+</file>
+
+<file path=ppt/slides/slide6.xml><?xml version="1.0" encoding="utf-8"?>
+<p:sld xmlns:a="http://schemas.openxmlformats.org/drawingml/2006/main" xmlns:r="http://schemas.openxmlformats.org/officeDocument/2006/relationships" xmlns:p="http://schemas.openxmlformats.org/presentationml/2006/main">
+  <p:cSld>
+    <p:spTree>
+      <p:nvGrpSpPr>
+        <p:cNvPr id="1" name="">
+          <a:extLst>
+            <a:ext uri="{FF2B5EF4-FFF2-40B4-BE49-F238E27FC236}">
+              <a16:creationId xmlns:a16="http://schemas.microsoft.com/office/drawing/2014/main" xmlns="" id="{E5BFA417-C7F5-06B4-AD04-3378EEB48DD8}"/>
+            </a:ext>
+          </a:extLst>
+        </p:cNvPr>
+        <p:cNvGrpSpPr/>
+        <p:nvPr/>
+      </p:nvGrpSpPr>
+      <p:grpSpPr>
+        <a:xfrm>
+          <a:off x="0" y="0"/>
+          <a:ext cx="0" cy="0"/>
+          <a:chOff x="0" y="0"/>
+          <a:chExt cx="0" cy="0"/>
+        </a:xfrm>
+      </p:grpSpPr>
+      <p:sp>
+        <p:nvSpPr>
+          <p:cNvPr id="2" name="Título 1">
+            <a:extLst>
+              <a:ext uri="{FF2B5EF4-FFF2-40B4-BE49-F238E27FC236}">
+                <a16:creationId xmlns:a16="http://schemas.microsoft.com/office/drawing/2014/main" xmlns="" id="{99C63E66-B265-AF9F-F41A-98F40E973BC4}"/>
+              </a:ext>
+            </a:extLst>
+          </p:cNvPr>
+          <p:cNvSpPr>
+            <a:spLocks noGrp="1"/>
+          </p:cNvSpPr>
+          <p:nvPr>
+            <p:ph type="title"/>
+          </p:nvPr>
+        </p:nvSpPr>
+        <p:spPr/>
+        <p:txBody>
+          <a:bodyPr/>
+          <a:lstStyle/>
+          <a:p>
+            <a:r>
+              <a:rPr lang="es-ES" dirty="0"/>
+              <a:t>Comando net </a:t>
+            </a:r>
+            <a:r>
+              <a:rPr lang="es-ES" dirty="0" err="1" smtClean="0"/>
+              <a:t>user</a:t>
+            </a:r>
+            <a:r>
+              <a:rPr lang="es-ES" dirty="0"/>
+              <a:t> [usuario</a:t>
+            </a:r>
+            <a:r>
+              <a:rPr lang="es-ES" dirty="0" smtClean="0"/>
+              <a:t>] /</a:t>
+            </a:r>
+            <a:r>
+              <a:rPr lang="es-ES" dirty="0" err="1" smtClean="0"/>
+              <a:t>delete</a:t>
+            </a:r>
+            <a:endParaRPr lang="es-DO" dirty="0"/>
+          </a:p>
+        </p:txBody>
+      </p:sp>
+      <p:sp>
+        <p:nvSpPr>
+          <p:cNvPr id="3" name="Marcador de contenido 2">
+            <a:extLst>
+              <a:ext uri="{FF2B5EF4-FFF2-40B4-BE49-F238E27FC236}">
+                <a16:creationId xmlns:a16="http://schemas.microsoft.com/office/drawing/2014/main" xmlns="" id="{EBF406D3-4B46-B9D4-FB81-53D8332B980A}"/>
+              </a:ext>
+            </a:extLst>
+          </p:cNvPr>
+          <p:cNvSpPr>
+            <a:spLocks noGrp="1"/>
+          </p:cNvSpPr>
+          <p:nvPr>
+            <p:ph sz="half" idx="1"/>
+          </p:nvPr>
+        </p:nvSpPr>
+        <p:spPr/>
+        <p:txBody>
+          <a:bodyPr/>
+          <a:lstStyle/>
+          <a:p>
+            <a:r>
+              <a:rPr lang="es-ES" dirty="0"/>
+              <a:t>Se utiliza para </a:t>
+            </a:r>
+            <a:r>
+              <a:rPr lang="es-ES" dirty="0" smtClean="0"/>
+              <a:t>eliminar un usuario.</a:t>
+            </a:r>
+            <a:endParaRPr lang="es-DO" dirty="0"/>
+          </a:p>
+        </p:txBody>
+      </p:sp>
+      <p:sp>
+        <p:nvSpPr>
+          <p:cNvPr id="5" name="Marcador de contenido 4"/>
+          <p:cNvSpPr>
+            <a:spLocks noGrp="1"/>
+          </p:cNvSpPr>
+          <p:nvPr>
+            <p:ph sz="half" idx="2"/>
+          </p:nvPr>
+        </p:nvSpPr>
+        <p:spPr/>
+        <p:txBody>
+          <a:bodyPr/>
+          <a:lstStyle/>
+          <a:p>
+            <a:endParaRPr lang="es-DO"/>
+          </a:p>
+        </p:txBody>
+      </p:sp>
+      <p:pic>
+        <p:nvPicPr>
+          <p:cNvPr id="6" name="Imagen 5"/>
           <p:cNvPicPr>
             <a:picLocks noChangeAspect="1"/>
           </p:cNvPicPr>
@@ -3491,8 +3774,8 @@
         </p:blipFill>
         <p:spPr>
           <a:xfrm>
-            <a:off x="5487727" y="1790366"/>
-            <a:ext cx="6125430" cy="4239217"/>
+            <a:off x="5609121" y="1690688"/>
+            <a:ext cx="6068272" cy="2819794"/>
           </a:xfrm>
           <a:prstGeom prst="rect">
             <a:avLst/>
@@ -3502,7 +3785,287 @@
     </p:spTree>
     <p:extLst>
       <p:ext uri="{BB962C8B-B14F-4D97-AF65-F5344CB8AC3E}">
-        <p14:creationId xmlns:p14="http://schemas.microsoft.com/office/powerpoint/2010/main" val="3581750327"/>
+        <p14:creationId xmlns:p14="http://schemas.microsoft.com/office/powerpoint/2010/main" val="64390137"/>
+      </p:ext>
+    </p:extLst>
+  </p:cSld>
+  <p:clrMapOvr>
+    <a:masterClrMapping/>
+  </p:clrMapOvr>
+</p:sld>
+</file>
+
+<file path=ppt/slides/slide7.xml><?xml version="1.0" encoding="utf-8"?>
+<p:sld xmlns:a="http://schemas.openxmlformats.org/drawingml/2006/main" xmlns:r="http://schemas.openxmlformats.org/officeDocument/2006/relationships" xmlns:p="http://schemas.openxmlformats.org/presentationml/2006/main">
+  <p:cSld>
+    <p:spTree>
+      <p:nvGrpSpPr>
+        <p:cNvPr id="1" name="">
+          <a:extLst>
+            <a:ext uri="{FF2B5EF4-FFF2-40B4-BE49-F238E27FC236}">
+              <a16:creationId xmlns:a16="http://schemas.microsoft.com/office/drawing/2014/main" xmlns="" id="{E5BFA417-C7F5-06B4-AD04-3378EEB48DD8}"/>
+            </a:ext>
+          </a:extLst>
+        </p:cNvPr>
+        <p:cNvGrpSpPr/>
+        <p:nvPr/>
+      </p:nvGrpSpPr>
+      <p:grpSpPr>
+        <a:xfrm>
+          <a:off x="0" y="0"/>
+          <a:ext cx="0" cy="0"/>
+          <a:chOff x="0" y="0"/>
+          <a:chExt cx="0" cy="0"/>
+        </a:xfrm>
+      </p:grpSpPr>
+      <p:sp>
+        <p:nvSpPr>
+          <p:cNvPr id="2" name="Título 1">
+            <a:extLst>
+              <a:ext uri="{FF2B5EF4-FFF2-40B4-BE49-F238E27FC236}">
+                <a16:creationId xmlns:a16="http://schemas.microsoft.com/office/drawing/2014/main" xmlns="" id="{99C63E66-B265-AF9F-F41A-98F40E973BC4}"/>
+              </a:ext>
+            </a:extLst>
+          </p:cNvPr>
+          <p:cNvSpPr>
+            <a:spLocks noGrp="1"/>
+          </p:cNvSpPr>
+          <p:nvPr>
+            <p:ph type="title"/>
+          </p:nvPr>
+        </p:nvSpPr>
+        <p:spPr/>
+        <p:txBody>
+          <a:bodyPr/>
+          <a:lstStyle/>
+          <a:p>
+            <a:r>
+              <a:rPr lang="es-ES" dirty="0"/>
+              <a:t>Comando net </a:t>
+            </a:r>
+            <a:r>
+              <a:rPr lang="es-ES" dirty="0" err="1" smtClean="0"/>
+              <a:t>user</a:t>
+            </a:r>
+            <a:r>
+              <a:rPr lang="es-ES" dirty="0"/>
+              <a:t> [usuario</a:t>
+            </a:r>
+            <a:r>
+              <a:rPr lang="es-ES" dirty="0" smtClean="0"/>
+              <a:t>] /</a:t>
+            </a:r>
+            <a:r>
+              <a:rPr lang="es-ES" dirty="0" err="1" smtClean="0"/>
+              <a:t>active:no</a:t>
+            </a:r>
+            <a:endParaRPr lang="es-DO" dirty="0"/>
+          </a:p>
+        </p:txBody>
+      </p:sp>
+      <p:sp>
+        <p:nvSpPr>
+          <p:cNvPr id="3" name="Marcador de contenido 2">
+            <a:extLst>
+              <a:ext uri="{FF2B5EF4-FFF2-40B4-BE49-F238E27FC236}">
+                <a16:creationId xmlns:a16="http://schemas.microsoft.com/office/drawing/2014/main" xmlns="" id="{EBF406D3-4B46-B9D4-FB81-53D8332B980A}"/>
+              </a:ext>
+            </a:extLst>
+          </p:cNvPr>
+          <p:cNvSpPr>
+            <a:spLocks noGrp="1"/>
+          </p:cNvSpPr>
+          <p:nvPr>
+            <p:ph sz="half" idx="1"/>
+          </p:nvPr>
+        </p:nvSpPr>
+        <p:spPr/>
+        <p:txBody>
+          <a:bodyPr/>
+          <a:lstStyle/>
+          <a:p>
+            <a:r>
+              <a:rPr lang="es-ES" dirty="0"/>
+              <a:t>Se utiliza para </a:t>
+            </a:r>
+            <a:r>
+              <a:rPr lang="es-ES" dirty="0" smtClean="0"/>
+              <a:t>desactivar un usuario.</a:t>
+            </a:r>
+            <a:endParaRPr lang="es-DO" dirty="0"/>
+          </a:p>
+        </p:txBody>
+      </p:sp>
+      <p:pic>
+        <p:nvPicPr>
+          <p:cNvPr id="4" name="Marcador de contenido 3"/>
+          <p:cNvPicPr>
+            <a:picLocks noGrp="1" noChangeAspect="1"/>
+          </p:cNvPicPr>
+          <p:nvPr>
+            <p:ph sz="half" idx="2"/>
+          </p:nvPr>
+        </p:nvPicPr>
+        <p:blipFill>
+          <a:blip r:embed="rId2"/>
+          <a:stretch>
+            <a:fillRect/>
+          </a:stretch>
+        </p:blipFill>
+        <p:spPr>
+          <a:xfrm>
+            <a:off x="5897880" y="1825625"/>
+            <a:ext cx="5181600" cy="2066330"/>
+          </a:xfrm>
+          <a:prstGeom prst="rect">
+            <a:avLst/>
+          </a:prstGeom>
+        </p:spPr>
+      </p:pic>
+    </p:spTree>
+    <p:extLst>
+      <p:ext uri="{BB962C8B-B14F-4D97-AF65-F5344CB8AC3E}">
+        <p14:creationId xmlns:p14="http://schemas.microsoft.com/office/powerpoint/2010/main" val="2083636267"/>
+      </p:ext>
+    </p:extLst>
+  </p:cSld>
+  <p:clrMapOvr>
+    <a:masterClrMapping/>
+  </p:clrMapOvr>
+</p:sld>
+</file>
+
+<file path=ppt/slides/slide8.xml><?xml version="1.0" encoding="utf-8"?>
+<p:sld xmlns:a="http://schemas.openxmlformats.org/drawingml/2006/main" xmlns:r="http://schemas.openxmlformats.org/officeDocument/2006/relationships" xmlns:p="http://schemas.openxmlformats.org/presentationml/2006/main">
+  <p:cSld>
+    <p:spTree>
+      <p:nvGrpSpPr>
+        <p:cNvPr id="1" name="">
+          <a:extLst>
+            <a:ext uri="{FF2B5EF4-FFF2-40B4-BE49-F238E27FC236}">
+              <a16:creationId xmlns:a16="http://schemas.microsoft.com/office/drawing/2014/main" xmlns="" id="{E5BFA417-C7F5-06B4-AD04-3378EEB48DD8}"/>
+            </a:ext>
+          </a:extLst>
+        </p:cNvPr>
+        <p:cNvGrpSpPr/>
+        <p:nvPr/>
+      </p:nvGrpSpPr>
+      <p:grpSpPr>
+        <a:xfrm>
+          <a:off x="0" y="0"/>
+          <a:ext cx="0" cy="0"/>
+          <a:chOff x="0" y="0"/>
+          <a:chExt cx="0" cy="0"/>
+        </a:xfrm>
+      </p:grpSpPr>
+      <p:sp>
+        <p:nvSpPr>
+          <p:cNvPr id="2" name="Título 1">
+            <a:extLst>
+              <a:ext uri="{FF2B5EF4-FFF2-40B4-BE49-F238E27FC236}">
+                <a16:creationId xmlns:a16="http://schemas.microsoft.com/office/drawing/2014/main" xmlns="" id="{99C63E66-B265-AF9F-F41A-98F40E973BC4}"/>
+              </a:ext>
+            </a:extLst>
+          </p:cNvPr>
+          <p:cNvSpPr>
+            <a:spLocks noGrp="1"/>
+          </p:cNvSpPr>
+          <p:nvPr>
+            <p:ph type="title"/>
+          </p:nvPr>
+        </p:nvSpPr>
+        <p:spPr/>
+        <p:txBody>
+          <a:bodyPr/>
+          <a:lstStyle/>
+          <a:p>
+            <a:r>
+              <a:rPr lang="es-ES" dirty="0"/>
+              <a:t>Comando net </a:t>
+            </a:r>
+            <a:r>
+              <a:rPr lang="es-ES" dirty="0" err="1" smtClean="0"/>
+              <a:t>user</a:t>
+            </a:r>
+            <a:r>
+              <a:rPr lang="es-ES" dirty="0"/>
+              <a:t> [usuario</a:t>
+            </a:r>
+            <a:r>
+              <a:rPr lang="es-ES" dirty="0" smtClean="0"/>
+              <a:t>] /</a:t>
+            </a:r>
+            <a:r>
+              <a:rPr lang="es-ES" dirty="0" err="1" smtClean="0"/>
+              <a:t>active:yes</a:t>
+            </a:r>
+            <a:endParaRPr lang="es-DO" dirty="0"/>
+          </a:p>
+        </p:txBody>
+      </p:sp>
+      <p:sp>
+        <p:nvSpPr>
+          <p:cNvPr id="3" name="Marcador de contenido 2">
+            <a:extLst>
+              <a:ext uri="{FF2B5EF4-FFF2-40B4-BE49-F238E27FC236}">
+                <a16:creationId xmlns:a16="http://schemas.microsoft.com/office/drawing/2014/main" xmlns="" id="{EBF406D3-4B46-B9D4-FB81-53D8332B980A}"/>
+              </a:ext>
+            </a:extLst>
+          </p:cNvPr>
+          <p:cNvSpPr>
+            <a:spLocks noGrp="1"/>
+          </p:cNvSpPr>
+          <p:nvPr>
+            <p:ph sz="half" idx="1"/>
+          </p:nvPr>
+        </p:nvSpPr>
+        <p:spPr/>
+        <p:txBody>
+          <a:bodyPr/>
+          <a:lstStyle/>
+          <a:p>
+            <a:r>
+              <a:rPr lang="es-ES" dirty="0"/>
+              <a:t>Se utiliza para </a:t>
+            </a:r>
+            <a:r>
+              <a:rPr lang="es-ES" dirty="0" smtClean="0"/>
+              <a:t>activar un usuario.</a:t>
+            </a:r>
+            <a:endParaRPr lang="es-DO" dirty="0"/>
+          </a:p>
+        </p:txBody>
+      </p:sp>
+      <p:pic>
+        <p:nvPicPr>
+          <p:cNvPr id="4" name="Marcador de contenido 3"/>
+          <p:cNvPicPr>
+            <a:picLocks noGrp="1" noChangeAspect="1"/>
+          </p:cNvPicPr>
+          <p:nvPr>
+            <p:ph sz="half" idx="2"/>
+          </p:nvPr>
+        </p:nvPicPr>
+        <p:blipFill>
+          <a:blip r:embed="rId2"/>
+          <a:stretch>
+            <a:fillRect/>
+          </a:stretch>
+        </p:blipFill>
+        <p:spPr>
+          <a:xfrm>
+            <a:off x="6172200" y="1825625"/>
+            <a:ext cx="5181600" cy="1716455"/>
+          </a:xfrm>
+          <a:prstGeom prst="rect">
+            <a:avLst/>
+          </a:prstGeom>
+        </p:spPr>
+      </p:pic>
+    </p:spTree>
+    <p:extLst>
+      <p:ext uri="{BB962C8B-B14F-4D97-AF65-F5344CB8AC3E}">
+        <p14:creationId xmlns:p14="http://schemas.microsoft.com/office/powerpoint/2010/main" val="359118569"/>
       </p:ext>
     </p:extLst>
   </p:cSld>
